--- a/brainfuck/brainfuck.pptx
+++ b/brainfuck/brainfuck.pptx
@@ -270,7 +270,7 @@
           <a:p>
             <a:fld id="{3EFD5386-3EE0-4CE0-B630-460A58CDCA77}" type="datetimeFigureOut">
               <a:rPr kumimoji="1" lang="ja-JP" altLang="en-US" smtClean="0"/>
-              <a:t>2023/11/25</a:t>
+              <a:t>2023/12/20</a:t>
             </a:fld>
             <a:endParaRPr kumimoji="1" lang="ja-JP" altLang="en-US"/>
           </a:p>
@@ -500,7 +500,7 @@
           <a:p>
             <a:fld id="{3EFD5386-3EE0-4CE0-B630-460A58CDCA77}" type="datetimeFigureOut">
               <a:rPr kumimoji="1" lang="ja-JP" altLang="en-US" smtClean="0"/>
-              <a:t>2023/11/25</a:t>
+              <a:t>2023/12/20</a:t>
             </a:fld>
             <a:endParaRPr kumimoji="1" lang="ja-JP" altLang="en-US"/>
           </a:p>
@@ -740,7 +740,7 @@
           <a:p>
             <a:fld id="{3EFD5386-3EE0-4CE0-B630-460A58CDCA77}" type="datetimeFigureOut">
               <a:rPr kumimoji="1" lang="ja-JP" altLang="en-US" smtClean="0"/>
-              <a:t>2023/11/25</a:t>
+              <a:t>2023/12/20</a:t>
             </a:fld>
             <a:endParaRPr kumimoji="1" lang="ja-JP" altLang="en-US"/>
           </a:p>
@@ -970,7 +970,7 @@
           <a:p>
             <a:fld id="{3EFD5386-3EE0-4CE0-B630-460A58CDCA77}" type="datetimeFigureOut">
               <a:rPr kumimoji="1" lang="ja-JP" altLang="en-US" smtClean="0"/>
-              <a:t>2023/11/25</a:t>
+              <a:t>2023/12/20</a:t>
             </a:fld>
             <a:endParaRPr kumimoji="1" lang="ja-JP" altLang="en-US"/>
           </a:p>
@@ -1245,7 +1245,7 @@
           <a:p>
             <a:fld id="{3EFD5386-3EE0-4CE0-B630-460A58CDCA77}" type="datetimeFigureOut">
               <a:rPr kumimoji="1" lang="ja-JP" altLang="en-US" smtClean="0"/>
-              <a:t>2023/11/25</a:t>
+              <a:t>2023/12/20</a:t>
             </a:fld>
             <a:endParaRPr kumimoji="1" lang="ja-JP" altLang="en-US"/>
           </a:p>
@@ -1574,7 +1574,7 @@
           <a:p>
             <a:fld id="{3EFD5386-3EE0-4CE0-B630-460A58CDCA77}" type="datetimeFigureOut">
               <a:rPr kumimoji="1" lang="ja-JP" altLang="en-US" smtClean="0"/>
-              <a:t>2023/11/25</a:t>
+              <a:t>2023/12/20</a:t>
             </a:fld>
             <a:endParaRPr kumimoji="1" lang="ja-JP" altLang="en-US"/>
           </a:p>
@@ -2050,7 +2050,7 @@
           <a:p>
             <a:fld id="{3EFD5386-3EE0-4CE0-B630-460A58CDCA77}" type="datetimeFigureOut">
               <a:rPr kumimoji="1" lang="ja-JP" altLang="en-US" smtClean="0"/>
-              <a:t>2023/11/25</a:t>
+              <a:t>2023/12/20</a:t>
             </a:fld>
             <a:endParaRPr kumimoji="1" lang="ja-JP" altLang="en-US"/>
           </a:p>
@@ -2191,7 +2191,7 @@
           <a:p>
             <a:fld id="{3EFD5386-3EE0-4CE0-B630-460A58CDCA77}" type="datetimeFigureOut">
               <a:rPr kumimoji="1" lang="ja-JP" altLang="en-US" smtClean="0"/>
-              <a:t>2023/11/25</a:t>
+              <a:t>2023/12/20</a:t>
             </a:fld>
             <a:endParaRPr kumimoji="1" lang="ja-JP" altLang="en-US"/>
           </a:p>
@@ -2304,7 +2304,7 @@
           <a:p>
             <a:fld id="{3EFD5386-3EE0-4CE0-B630-460A58CDCA77}" type="datetimeFigureOut">
               <a:rPr kumimoji="1" lang="ja-JP" altLang="en-US" smtClean="0"/>
-              <a:t>2023/11/25</a:t>
+              <a:t>2023/12/20</a:t>
             </a:fld>
             <a:endParaRPr kumimoji="1" lang="ja-JP" altLang="en-US"/>
           </a:p>
@@ -2647,7 +2647,7 @@
           <a:p>
             <a:fld id="{3EFD5386-3EE0-4CE0-B630-460A58CDCA77}" type="datetimeFigureOut">
               <a:rPr kumimoji="1" lang="ja-JP" altLang="en-US" smtClean="0"/>
-              <a:t>2023/11/25</a:t>
+              <a:t>2023/12/20</a:t>
             </a:fld>
             <a:endParaRPr kumimoji="1" lang="ja-JP" altLang="en-US"/>
           </a:p>
@@ -2935,7 +2935,7 @@
           <a:p>
             <a:fld id="{3EFD5386-3EE0-4CE0-B630-460A58CDCA77}" type="datetimeFigureOut">
               <a:rPr kumimoji="1" lang="ja-JP" altLang="en-US" smtClean="0"/>
-              <a:t>2023/11/25</a:t>
+              <a:t>2023/12/20</a:t>
             </a:fld>
             <a:endParaRPr kumimoji="1" lang="ja-JP" altLang="en-US"/>
           </a:p>
@@ -3208,7 +3208,7 @@
           <a:p>
             <a:fld id="{3EFD5386-3EE0-4CE0-B630-460A58CDCA77}" type="datetimeFigureOut">
               <a:rPr kumimoji="1" lang="ja-JP" altLang="en-US" smtClean="0"/>
-              <a:t>2023/11/25</a:t>
+              <a:t>2023/12/20</a:t>
             </a:fld>
             <a:endParaRPr kumimoji="1" lang="ja-JP" altLang="en-US"/>
           </a:p>
@@ -3627,6 +3627,58 @@
       </p:grpSpPr>
       <p:sp>
         <p:nvSpPr>
+          <p:cNvPr id="2" name="正方形/長方形 1">
+            <a:extLst>
+              <a:ext uri="{FF2B5EF4-FFF2-40B4-BE49-F238E27FC236}">
+                <a16:creationId xmlns:a16="http://schemas.microsoft.com/office/drawing/2014/main" id="{70AC75FD-B520-B039-04B1-74F9061D36F8}"/>
+              </a:ext>
+            </a:extLst>
+          </p:cNvPr>
+          <p:cNvSpPr/>
+          <p:nvPr/>
+        </p:nvSpPr>
+        <p:spPr>
+          <a:xfrm>
+            <a:off x="274664" y="282175"/>
+            <a:ext cx="5759999" cy="5760000"/>
+          </a:xfrm>
+          <a:prstGeom prst="rect">
+            <a:avLst/>
+          </a:prstGeom>
+          <a:solidFill>
+            <a:schemeClr val="bg1"/>
+          </a:solidFill>
+          <a:ln>
+            <a:noFill/>
+          </a:ln>
+        </p:spPr>
+        <p:style>
+          <a:lnRef idx="2">
+            <a:schemeClr val="accent1">
+              <a:shade val="15000"/>
+            </a:schemeClr>
+          </a:lnRef>
+          <a:fillRef idx="1">
+            <a:schemeClr val="accent1"/>
+          </a:fillRef>
+          <a:effectRef idx="0">
+            <a:schemeClr val="accent1"/>
+          </a:effectRef>
+          <a:fontRef idx="minor">
+            <a:schemeClr val="lt1"/>
+          </a:fontRef>
+        </p:style>
+        <p:txBody>
+          <a:bodyPr rtlCol="0" anchor="ctr"/>
+          <a:lstStyle/>
+          <a:p>
+            <a:pPr algn="ctr"/>
+            <a:endParaRPr kumimoji="1" lang="ja-JP" altLang="en-US"/>
+          </a:p>
+        </p:txBody>
+      </p:sp>
+      <p:sp>
+        <p:nvSpPr>
           <p:cNvPr id="7" name="平行四辺形 6">
             <a:extLst>
               <a:ext uri="{FF2B5EF4-FFF2-40B4-BE49-F238E27FC236}">
@@ -4383,6 +4435,36 @@
           <a:xfrm>
             <a:off x="6173908" y="282174"/>
             <a:ext cx="9001125" cy="9001125"/>
+          </a:xfrm>
+          <a:prstGeom prst="rect">
+            <a:avLst/>
+          </a:prstGeom>
+        </p:spPr>
+      </p:pic>
+      <p:pic>
+        <p:nvPicPr>
+          <p:cNvPr id="32" name="図 31">
+            <a:extLst>
+              <a:ext uri="{FF2B5EF4-FFF2-40B4-BE49-F238E27FC236}">
+                <a16:creationId xmlns:a16="http://schemas.microsoft.com/office/drawing/2014/main" id="{FD7DABA7-E267-1898-3729-52C04898FB22}"/>
+              </a:ext>
+            </a:extLst>
+          </p:cNvPr>
+          <p:cNvPicPr>
+            <a:picLocks noChangeAspect="1"/>
+          </p:cNvPicPr>
+          <p:nvPr/>
+        </p:nvPicPr>
+        <p:blipFill>
+          <a:blip r:embed="rId3"/>
+          <a:stretch>
+            <a:fillRect/>
+          </a:stretch>
+        </p:blipFill>
+        <p:spPr>
+          <a:xfrm>
+            <a:off x="6172987" y="282173"/>
+            <a:ext cx="9000000" cy="9000000"/>
           </a:xfrm>
           <a:prstGeom prst="rect">
             <a:avLst/>
